--- a/Paint 2.pptx
+++ b/Paint 2.pptx
@@ -360,7 +360,7 @@
           <a:p>
             <a:fld id="{213BA844-E057-491A-9B23-DE6D3BC82C42}" type="datetimeFigureOut">
               <a:rPr lang="ru-RU" smtClean="0"/>
-              <a:t>25.12.2018</a:t>
+              <a:t>06.01.2019</a:t>
             </a:fld>
             <a:endParaRPr lang="ru-RU"/>
           </a:p>
@@ -583,7 +583,7 @@
           <a:p>
             <a:fld id="{213BA844-E057-491A-9B23-DE6D3BC82C42}" type="datetimeFigureOut">
               <a:rPr lang="ru-RU" smtClean="0"/>
-              <a:t>25.12.2018</a:t>
+              <a:t>06.01.2019</a:t>
             </a:fld>
             <a:endParaRPr lang="ru-RU"/>
           </a:p>
@@ -863,7 +863,7 @@
           <a:p>
             <a:fld id="{213BA844-E057-491A-9B23-DE6D3BC82C42}" type="datetimeFigureOut">
               <a:rPr lang="ru-RU" smtClean="0"/>
-              <a:t>25.12.2018</a:t>
+              <a:t>06.01.2019</a:t>
             </a:fld>
             <a:endParaRPr lang="ru-RU"/>
           </a:p>
@@ -1042,7 +1042,7 @@
           <a:p>
             <a:fld id="{213BA844-E057-491A-9B23-DE6D3BC82C42}" type="datetimeFigureOut">
               <a:rPr lang="ru-RU" smtClean="0"/>
-              <a:t>25.12.2018</a:t>
+              <a:t>06.01.2019</a:t>
             </a:fld>
             <a:endParaRPr lang="ru-RU"/>
           </a:p>
@@ -1400,7 +1400,7 @@
           <a:p>
             <a:fld id="{213BA844-E057-491A-9B23-DE6D3BC82C42}" type="datetimeFigureOut">
               <a:rPr lang="ru-RU" smtClean="0"/>
-              <a:t>25.12.2018</a:t>
+              <a:t>06.01.2019</a:t>
             </a:fld>
             <a:endParaRPr lang="ru-RU"/>
           </a:p>
@@ -1687,7 +1687,7 @@
           <a:p>
             <a:fld id="{213BA844-E057-491A-9B23-DE6D3BC82C42}" type="datetimeFigureOut">
               <a:rPr lang="ru-RU" smtClean="0"/>
-              <a:t>25.12.2018</a:t>
+              <a:t>06.01.2019</a:t>
             </a:fld>
             <a:endParaRPr lang="ru-RU"/>
           </a:p>
@@ -2109,7 +2109,7 @@
           <a:p>
             <a:fld id="{213BA844-E057-491A-9B23-DE6D3BC82C42}" type="datetimeFigureOut">
               <a:rPr lang="ru-RU" smtClean="0"/>
-              <a:t>25.12.2018</a:t>
+              <a:t>06.01.2019</a:t>
             </a:fld>
             <a:endParaRPr lang="ru-RU"/>
           </a:p>
@@ -2224,7 +2224,7 @@
           <a:p>
             <a:fld id="{213BA844-E057-491A-9B23-DE6D3BC82C42}" type="datetimeFigureOut">
               <a:rPr lang="ru-RU" smtClean="0"/>
-              <a:t>25.12.2018</a:t>
+              <a:t>06.01.2019</a:t>
             </a:fld>
             <a:endParaRPr lang="ru-RU"/>
           </a:p>
@@ -2314,7 +2314,7 @@
           <a:p>
             <a:fld id="{213BA844-E057-491A-9B23-DE6D3BC82C42}" type="datetimeFigureOut">
               <a:rPr lang="ru-RU" smtClean="0"/>
-              <a:t>25.12.2018</a:t>
+              <a:t>06.01.2019</a:t>
             </a:fld>
             <a:endParaRPr lang="ru-RU"/>
           </a:p>
@@ -2592,7 +2592,7 @@
           <a:p>
             <a:fld id="{213BA844-E057-491A-9B23-DE6D3BC82C42}" type="datetimeFigureOut">
               <a:rPr lang="ru-RU" smtClean="0"/>
-              <a:t>25.12.2018</a:t>
+              <a:t>06.01.2019</a:t>
             </a:fld>
             <a:endParaRPr lang="ru-RU"/>
           </a:p>
@@ -2958,7 +2958,7 @@
           <a:p>
             <a:fld id="{213BA844-E057-491A-9B23-DE6D3BC82C42}" type="datetimeFigureOut">
               <a:rPr lang="ru-RU" smtClean="0"/>
-              <a:t>25.12.2018</a:t>
+              <a:t>06.01.2019</a:t>
             </a:fld>
             <a:endParaRPr lang="ru-RU"/>
           </a:p>
@@ -3395,7 +3395,7 @@
           <a:p>
             <a:fld id="{213BA844-E057-491A-9B23-DE6D3BC82C42}" type="datetimeFigureOut">
               <a:rPr lang="ru-RU" smtClean="0"/>
-              <a:t>25.12.2018</a:t>
+              <a:t>06.01.2019</a:t>
             </a:fld>
             <a:endParaRPr lang="ru-RU"/>
           </a:p>
@@ -4019,7 +4019,6 @@
               <a:rPr lang="ru-RU" dirty="0"/>
               <a:t>Описание реализации</a:t>
             </a:r>
-            <a:endParaRPr lang="ru-RU" dirty="0"/>
           </a:p>
         </p:txBody>
       </p:sp>
@@ -4040,14 +4039,9 @@
           <a:p>
             <a:r>
               <a:rPr lang="ru-RU" dirty="0" smtClean="0"/>
-              <a:t>Моя программа рисует все фигуры по точкам, для этого мне приходилось вычислять выражения. </a:t>
-            </a:r>
-          </a:p>
-          <a:p>
-            <a:r>
-              <a:rPr lang="ru-RU" dirty="0" smtClean="0"/>
-              <a:t>Одной из особенностей моего приложения является, то что оно предназначено для аккуратных и терпеливых людей.</a:t>
-            </a:r>
+              <a:t>Особенностью моего приложения является фиксированный экран</a:t>
+            </a:r>
+            <a:endParaRPr lang="ru-RU" dirty="0" smtClean="0"/>
           </a:p>
           <a:p>
             <a:r>
@@ -4127,9 +4121,16 @@
             <p:ph idx="1"/>
           </p:nvPr>
         </p:nvSpPr>
-        <p:spPr/>
-        <p:txBody>
-          <a:bodyPr/>
+        <p:spPr>
+          <a:xfrm>
+            <a:off x="467544" y="1484784"/>
+            <a:ext cx="8229600" cy="4625609"/>
+          </a:xfrm>
+        </p:spPr>
+        <p:txBody>
+          <a:bodyPr>
+            <a:normAutofit lnSpcReduction="10000"/>
+          </a:bodyPr>
           <a:lstStyle/>
           <a:p>
             <a:r>
@@ -4162,15 +4163,47 @@
           <a:p>
             <a:r>
               <a:rPr lang="ru-RU" dirty="0" smtClean="0"/>
-              <a:t>Г) Прямоугольников</a:t>
-            </a:r>
-          </a:p>
-          <a:p>
+              <a:t>Г) </a:t>
+            </a:r>
             <a:r>
               <a:rPr lang="ru-RU" dirty="0" smtClean="0"/>
-              <a:t>2. Закраска</a:t>
-            </a:r>
-            <a:endParaRPr lang="ru-RU" dirty="0"/>
+              <a:t>Прямоугольников</a:t>
+            </a:r>
+          </a:p>
+          <a:p>
+            <a:r>
+              <a:rPr lang="ru-RU" dirty="0" smtClean="0"/>
+              <a:t>Д) Спреем</a:t>
+            </a:r>
+          </a:p>
+          <a:p>
+            <a:r>
+              <a:rPr lang="ru-RU" dirty="0" smtClean="0"/>
+              <a:t>2. Смена цвета:</a:t>
+            </a:r>
+          </a:p>
+          <a:p>
+            <a:r>
+              <a:rPr lang="ru-RU" dirty="0" smtClean="0"/>
+              <a:t>А) Окантовки фигуры или цвета линии</a:t>
+            </a:r>
+          </a:p>
+          <a:p>
+            <a:r>
+              <a:rPr lang="ru-RU" dirty="0" smtClean="0"/>
+              <a:t>Б) Заливки фигуры</a:t>
+            </a:r>
+          </a:p>
+          <a:p>
+            <a:r>
+              <a:rPr lang="en-US" dirty="0" smtClean="0"/>
+              <a:t>3. </a:t>
+            </a:r>
+            <a:r>
+              <a:rPr lang="ru-RU" dirty="0" smtClean="0"/>
+              <a:t>Сохранение изображений</a:t>
+            </a:r>
+            <a:endParaRPr lang="ru-RU" dirty="0" smtClean="0"/>
           </a:p>
         </p:txBody>
       </p:sp>
@@ -4223,7 +4256,6 @@
               <a:rPr lang="ru-RU" dirty="0"/>
               <a:t>Заключение</a:t>
             </a:r>
-            <a:endParaRPr lang="ru-RU" dirty="0"/>
           </a:p>
         </p:txBody>
       </p:sp>
@@ -4239,8 +4271,8 @@
         </p:nvSpPr>
         <p:spPr>
           <a:xfrm>
-            <a:off x="467544" y="1844824"/>
-            <a:ext cx="8229600" cy="5758265"/>
+            <a:off x="467544" y="1844825"/>
+            <a:ext cx="8229600" cy="3384376"/>
           </a:xfrm>
         </p:spPr>
         <p:txBody>
@@ -4269,60 +4301,13 @@
           <a:p>
             <a:r>
               <a:rPr lang="ru-RU" dirty="0" smtClean="0"/>
-              <a:t>1. Возможность изменения размера экрана</a:t>
+              <a:t>1. Возможность изменения размера </a:t>
+            </a:r>
+            <a:r>
+              <a:rPr lang="ru-RU" dirty="0" smtClean="0"/>
+              <a:t>экрана</a:t>
             </a:r>
             <a:endParaRPr lang="en-US" dirty="0" smtClean="0"/>
-          </a:p>
-          <a:p>
-            <a:r>
-              <a:rPr lang="en-US" dirty="0" smtClean="0"/>
-              <a:t>2. </a:t>
-            </a:r>
-            <a:r>
-              <a:rPr lang="ru-RU" dirty="0" smtClean="0"/>
-              <a:t>«</a:t>
-            </a:r>
-            <a:r>
-              <a:rPr lang="ru-RU" dirty="0" err="1" smtClean="0"/>
-              <a:t>балончик</a:t>
-            </a:r>
-            <a:r>
-              <a:rPr lang="ru-RU" dirty="0" smtClean="0"/>
-              <a:t>»</a:t>
-            </a:r>
-          </a:p>
-          <a:p>
-            <a:r>
-              <a:rPr lang="ru-RU" dirty="0" smtClean="0"/>
-              <a:t>3. Сохранение изображений</a:t>
-            </a:r>
-          </a:p>
-          <a:p>
-            <a:pPr marL="118872" indent="0">
-              <a:buNone/>
-            </a:pPr>
-            <a:endParaRPr lang="ru-RU" dirty="0"/>
-          </a:p>
-          <a:p>
-            <a:endParaRPr lang="ru-RU" dirty="0" smtClean="0"/>
-          </a:p>
-          <a:p>
-            <a:endParaRPr lang="ru-RU" dirty="0"/>
-          </a:p>
-          <a:p>
-            <a:r>
-              <a:rPr lang="ru-RU" dirty="0" smtClean="0"/>
-              <a:t>4. </a:t>
-            </a:r>
-            <a:r>
-              <a:rPr lang="ru-RU" dirty="0" err="1" smtClean="0"/>
-              <a:t>Пофиксить</a:t>
-            </a:r>
-            <a:r>
-              <a:rPr lang="ru-RU" dirty="0" smtClean="0"/>
-              <a:t> баги</a:t>
-            </a:r>
-            <a:endParaRPr lang="ru-RU" dirty="0"/>
           </a:p>
         </p:txBody>
       </p:sp>
